--- a/Task_Summary.pptx
+++ b/Task_Summary.pptx
@@ -118,6 +118,11 @@
       </a:defRPr>
     </a:lvl9pPr>
   </p:defaultTextStyle>
+  <p:extLst>
+    <p:ext uri="{EFAFB233-063F-42B5-8137-9DF3F51BA10A}">
+      <p15:sldGuideLst xmlns:p15="http://schemas.microsoft.com/office/powerpoint/2012/main"/>
+    </p:ext>
+  </p:extLst>
 </p:presentation>
 </file>
 
@@ -268,7 +273,7 @@
           <a:p>
             <a:fld id="{E419D36A-6B42-CE4A-9376-40E19635F884}" type="datetimeFigureOut">
               <a:rPr lang="en-US" smtClean="0"/>
-              <a:t>8/27/25</a:t>
+              <a:t>9/3/25</a:t>
             </a:fld>
             <a:endParaRPr lang="en-US"/>
           </a:p>
@@ -466,7 +471,7 @@
           <a:p>
             <a:fld id="{E419D36A-6B42-CE4A-9376-40E19635F884}" type="datetimeFigureOut">
               <a:rPr lang="en-US" smtClean="0"/>
-              <a:t>8/27/25</a:t>
+              <a:t>9/3/25</a:t>
             </a:fld>
             <a:endParaRPr lang="en-US"/>
           </a:p>
@@ -674,7 +679,7 @@
           <a:p>
             <a:fld id="{E419D36A-6B42-CE4A-9376-40E19635F884}" type="datetimeFigureOut">
               <a:rPr lang="en-US" smtClean="0"/>
-              <a:t>8/27/25</a:t>
+              <a:t>9/3/25</a:t>
             </a:fld>
             <a:endParaRPr lang="en-US"/>
           </a:p>
@@ -872,7 +877,7 @@
           <a:p>
             <a:fld id="{E419D36A-6B42-CE4A-9376-40E19635F884}" type="datetimeFigureOut">
               <a:rPr lang="en-US" smtClean="0"/>
-              <a:t>8/27/25</a:t>
+              <a:t>9/3/25</a:t>
             </a:fld>
             <a:endParaRPr lang="en-US"/>
           </a:p>
@@ -1147,7 +1152,7 @@
           <a:p>
             <a:fld id="{E419D36A-6B42-CE4A-9376-40E19635F884}" type="datetimeFigureOut">
               <a:rPr lang="en-US" smtClean="0"/>
-              <a:t>8/27/25</a:t>
+              <a:t>9/3/25</a:t>
             </a:fld>
             <a:endParaRPr lang="en-US"/>
           </a:p>
@@ -1412,7 +1417,7 @@
           <a:p>
             <a:fld id="{E419D36A-6B42-CE4A-9376-40E19635F884}" type="datetimeFigureOut">
               <a:rPr lang="en-US" smtClean="0"/>
-              <a:t>8/27/25</a:t>
+              <a:t>9/3/25</a:t>
             </a:fld>
             <a:endParaRPr lang="en-US"/>
           </a:p>
@@ -1824,7 +1829,7 @@
           <a:p>
             <a:fld id="{E419D36A-6B42-CE4A-9376-40E19635F884}" type="datetimeFigureOut">
               <a:rPr lang="en-US" smtClean="0"/>
-              <a:t>8/27/25</a:t>
+              <a:t>9/3/25</a:t>
             </a:fld>
             <a:endParaRPr lang="en-US"/>
           </a:p>
@@ -1965,7 +1970,7 @@
           <a:p>
             <a:fld id="{E419D36A-6B42-CE4A-9376-40E19635F884}" type="datetimeFigureOut">
               <a:rPr lang="en-US" smtClean="0"/>
-              <a:t>8/27/25</a:t>
+              <a:t>9/3/25</a:t>
             </a:fld>
             <a:endParaRPr lang="en-US"/>
           </a:p>
@@ -2078,7 +2083,7 @@
           <a:p>
             <a:fld id="{E419D36A-6B42-CE4A-9376-40E19635F884}" type="datetimeFigureOut">
               <a:rPr lang="en-US" smtClean="0"/>
-              <a:t>8/27/25</a:t>
+              <a:t>9/3/25</a:t>
             </a:fld>
             <a:endParaRPr lang="en-US"/>
           </a:p>
@@ -2389,7 +2394,7 @@
           <a:p>
             <a:fld id="{E419D36A-6B42-CE4A-9376-40E19635F884}" type="datetimeFigureOut">
               <a:rPr lang="en-US" smtClean="0"/>
-              <a:t>8/27/25</a:t>
+              <a:t>9/3/25</a:t>
             </a:fld>
             <a:endParaRPr lang="en-US"/>
           </a:p>
@@ -2677,7 +2682,7 @@
           <a:p>
             <a:fld id="{E419D36A-6B42-CE4A-9376-40E19635F884}" type="datetimeFigureOut">
               <a:rPr lang="en-US" smtClean="0"/>
-              <a:t>8/27/25</a:t>
+              <a:t>9/3/25</a:t>
             </a:fld>
             <a:endParaRPr lang="en-US"/>
           </a:p>
@@ -2918,7 +2923,7 @@
           <a:p>
             <a:fld id="{E419D36A-6B42-CE4A-9376-40E19635F884}" type="datetimeFigureOut">
               <a:rPr lang="en-US" smtClean="0"/>
-              <a:t>8/27/25</a:t>
+              <a:t>9/3/25</a:t>
             </a:fld>
             <a:endParaRPr lang="en-US"/>
           </a:p>
@@ -3466,10 +3471,10 @@
       </p:sp>
       <p:pic>
         <p:nvPicPr>
-          <p:cNvPr id="5" name="Picture 4" descr="A group of colorful dots&#10;&#10;Description automatically generated with medium confidence">
-            <a:extLst>
-              <a:ext uri="{FF2B5EF4-FFF2-40B4-BE49-F238E27FC236}">
-                <a16:creationId xmlns:a16="http://schemas.microsoft.com/office/drawing/2014/main" id="{93A1C10D-0835-7C2D-9E5C-9E7EE4EC8107}"/>
+          <p:cNvPr id="4" name="Picture 3" descr="A group of colorful squares&#10;&#10;Description automatically generated">
+            <a:extLst>
+              <a:ext uri="{FF2B5EF4-FFF2-40B4-BE49-F238E27FC236}">
+                <a16:creationId xmlns:a16="http://schemas.microsoft.com/office/drawing/2014/main" id="{BE4FBD43-A1D5-98B6-E849-005055C64A5B}"/>
               </a:ext>
             </a:extLst>
           </p:cNvPr>
@@ -3486,8 +3491,8 @@
         </p:blipFill>
         <p:spPr>
           <a:xfrm>
-            <a:off x="526287" y="1314194"/>
-            <a:ext cx="11139425" cy="5543806"/>
+            <a:off x="635000" y="1226448"/>
+            <a:ext cx="10335491" cy="5143709"/>
           </a:xfrm>
           <a:prstGeom prst="rect">
             <a:avLst/>
@@ -3554,10 +3559,10 @@
       </p:sp>
       <p:pic>
         <p:nvPicPr>
-          <p:cNvPr id="5" name="Picture 4" descr="A graph of a graph and a diagram&#10;&#10;Description automatically generated">
-            <a:extLst>
-              <a:ext uri="{FF2B5EF4-FFF2-40B4-BE49-F238E27FC236}">
-                <a16:creationId xmlns:a16="http://schemas.microsoft.com/office/drawing/2014/main" id="{9A813973-7FC0-26DB-B086-6B318A709BF4}"/>
+          <p:cNvPr id="4" name="Picture 3" descr="A diagram of a graph&#10;&#10;Description automatically generated">
+            <a:extLst>
+              <a:ext uri="{FF2B5EF4-FFF2-40B4-BE49-F238E27FC236}">
+                <a16:creationId xmlns:a16="http://schemas.microsoft.com/office/drawing/2014/main" id="{E6705A19-5E58-6B31-9C6C-067B31873996}"/>
               </a:ext>
             </a:extLst>
           </p:cNvPr>
@@ -3574,8 +3579,8 @@
         </p:blipFill>
         <p:spPr>
           <a:xfrm>
-            <a:off x="1160566" y="1431781"/>
-            <a:ext cx="9870867" cy="5061094"/>
+            <a:off x="1123950" y="1460299"/>
+            <a:ext cx="9944100" cy="5098643"/>
           </a:xfrm>
           <a:prstGeom prst="rect">
             <a:avLst/>
@@ -3709,12 +3714,121 @@
           </a:p>
         </p:txBody>
       </p:sp>
+      <p:sp>
+        <p:nvSpPr>
+          <p:cNvPr id="6" name="TextBox 5">
+            <a:extLst>
+              <a:ext uri="{FF2B5EF4-FFF2-40B4-BE49-F238E27FC236}">
+                <a16:creationId xmlns:a16="http://schemas.microsoft.com/office/drawing/2014/main" id="{3C53DAF8-718E-F976-DED9-BE36E9CC6F41}"/>
+              </a:ext>
+            </a:extLst>
+          </p:cNvPr>
+          <p:cNvSpPr txBox="1"/>
+          <p:nvPr/>
+        </p:nvSpPr>
+        <p:spPr>
+          <a:xfrm>
+            <a:off x="7781636" y="2262011"/>
+            <a:ext cx="2930585" cy="3570208"/>
+          </a:xfrm>
+          <a:prstGeom prst="rect">
+            <a:avLst/>
+          </a:prstGeom>
+          <a:noFill/>
+        </p:spPr>
+        <p:txBody>
+          <a:bodyPr wrap="square" rtlCol="0">
+            <a:spAutoFit/>
+          </a:bodyPr>
+          <a:lstStyle/>
+          <a:p>
+            <a:pPr marL="285750" indent="-285750">
+              <a:buFont typeface="Arial" panose="020B0604020202020204" pitchFamily="34" charset="0"/>
+              <a:buChar char="•"/>
+            </a:pPr>
+            <a:r>
+              <a:rPr lang="en-US" sz="1600" kern="100" dirty="0">
+                <a:effectLst/>
+                <a:latin typeface="Aptos" panose="020B0004020202020204" pitchFamily="34" charset="0"/>
+                <a:ea typeface="Aptos" panose="020B0004020202020204" pitchFamily="34" charset="0"/>
+                <a:cs typeface="Times New Roman" panose="02020603050405020304" pitchFamily="18" charset="0"/>
+              </a:rPr>
+              <a:t>Groups were compared using a t-test, with the ‘low group’ as reference</a:t>
+            </a:r>
+          </a:p>
+          <a:p>
+            <a:pPr marL="285750" indent="-285750">
+              <a:buFont typeface="Arial" panose="020B0604020202020204" pitchFamily="34" charset="0"/>
+              <a:buChar char="•"/>
+            </a:pPr>
+            <a:endParaRPr lang="en-US" sz="1600" kern="100" dirty="0">
+              <a:effectLst/>
+              <a:latin typeface="Aptos" panose="020B0004020202020204" pitchFamily="34" charset="0"/>
+              <a:ea typeface="Aptos" panose="020B0004020202020204" pitchFamily="34" charset="0"/>
+              <a:cs typeface="Times New Roman" panose="02020603050405020304" pitchFamily="18" charset="0"/>
+            </a:endParaRPr>
+          </a:p>
+          <a:p>
+            <a:pPr marL="285750" indent="-285750">
+              <a:buFont typeface="Arial" panose="020B0604020202020204" pitchFamily="34" charset="0"/>
+              <a:buChar char="•"/>
+            </a:pPr>
+            <a:r>
+              <a:rPr lang="en-US" sz="1600" kern="100" dirty="0">
+                <a:effectLst/>
+                <a:latin typeface="Aptos" panose="020B0004020202020204" pitchFamily="34" charset="0"/>
+                <a:ea typeface="Aptos" panose="020B0004020202020204" pitchFamily="34" charset="0"/>
+                <a:cs typeface="Times New Roman" panose="02020603050405020304" pitchFamily="18" charset="0"/>
+              </a:rPr>
+              <a:t>When comparing the High vs Low age categorical groups, a few proteins are found with a </a:t>
+            </a:r>
+            <a:r>
+              <a:rPr lang="en-US" sz="1600" kern="100" dirty="0" err="1">
+                <a:effectLst/>
+                <a:latin typeface="Aptos" panose="020B0004020202020204" pitchFamily="34" charset="0"/>
+                <a:ea typeface="Aptos" panose="020B0004020202020204" pitchFamily="34" charset="0"/>
+                <a:cs typeface="Times New Roman" panose="02020603050405020304" pitchFamily="18" charset="0"/>
+              </a:rPr>
+              <a:t>pvalue</a:t>
+            </a:r>
+            <a:r>
+              <a:rPr lang="en-US" sz="1600" kern="100" dirty="0">
+                <a:effectLst/>
+                <a:latin typeface="Aptos" panose="020B0004020202020204" pitchFamily="34" charset="0"/>
+                <a:ea typeface="Aptos" panose="020B0004020202020204" pitchFamily="34" charset="0"/>
+                <a:cs typeface="Times New Roman" panose="02020603050405020304" pitchFamily="18" charset="0"/>
+              </a:rPr>
+              <a:t> &lt; 0.05 . However, all of their log2Fc are very small. </a:t>
+            </a:r>
+            <a:r>
+              <a:rPr lang="en-US" sz="1600" kern="100" dirty="0">
+                <a:latin typeface="Aptos" panose="020B0004020202020204" pitchFamily="34" charset="0"/>
+                <a:ea typeface="Aptos" panose="020B0004020202020204" pitchFamily="34" charset="0"/>
+                <a:cs typeface="Times New Roman" panose="02020603050405020304" pitchFamily="18" charset="0"/>
+              </a:rPr>
+              <a:t>T</a:t>
+            </a:r>
+            <a:r>
+              <a:rPr lang="en-US" sz="1600" kern="100" dirty="0">
+                <a:effectLst/>
+                <a:latin typeface="Aptos" panose="020B0004020202020204" pitchFamily="34" charset="0"/>
+                <a:ea typeface="Aptos" panose="020B0004020202020204" pitchFamily="34" charset="0"/>
+                <a:cs typeface="Times New Roman" panose="02020603050405020304" pitchFamily="18" charset="0"/>
+              </a:rPr>
+              <a:t>hus indicating that the 'biology' of the cancer in between these two groups is similar</a:t>
+            </a:r>
+          </a:p>
+          <a:p>
+            <a:endParaRPr lang="en-US" sz="1600" dirty="0"/>
+          </a:p>
+        </p:txBody>
+      </p:sp>
       <p:pic>
         <p:nvPicPr>
-          <p:cNvPr id="4" name="Picture 3" descr="A graph of a volcano plot&#10;&#10;Description automatically generated">
-            <a:extLst>
-              <a:ext uri="{FF2B5EF4-FFF2-40B4-BE49-F238E27FC236}">
-                <a16:creationId xmlns:a16="http://schemas.microsoft.com/office/drawing/2014/main" id="{15640D7A-3B6A-E3FA-D425-FB4811D943BB}"/>
+          <p:cNvPr id="5" name="Picture 4" descr="A graph of a volcano plot&#10;&#10;Description automatically generated">
+            <a:extLst>
+              <a:ext uri="{FF2B5EF4-FFF2-40B4-BE49-F238E27FC236}">
+                <a16:creationId xmlns:a16="http://schemas.microsoft.com/office/drawing/2014/main" id="{6BD950B4-690C-DFF5-6387-8291D1C6CA84}"/>
               </a:ext>
             </a:extLst>
           </p:cNvPr>
@@ -3731,7 +3845,7 @@
         </p:blipFill>
         <p:spPr>
           <a:xfrm>
-            <a:off x="568036" y="1124528"/>
+            <a:off x="484909" y="1124527"/>
             <a:ext cx="7213600" cy="5384800"/>
           </a:xfrm>
           <a:prstGeom prst="rect">
@@ -3739,115 +3853,6 @@
           </a:prstGeom>
         </p:spPr>
       </p:pic>
-      <p:sp>
-        <p:nvSpPr>
-          <p:cNvPr id="6" name="TextBox 5">
-            <a:extLst>
-              <a:ext uri="{FF2B5EF4-FFF2-40B4-BE49-F238E27FC236}">
-                <a16:creationId xmlns:a16="http://schemas.microsoft.com/office/drawing/2014/main" id="{3C53DAF8-718E-F976-DED9-BE36E9CC6F41}"/>
-              </a:ext>
-            </a:extLst>
-          </p:cNvPr>
-          <p:cNvSpPr txBox="1"/>
-          <p:nvPr/>
-        </p:nvSpPr>
-        <p:spPr>
-          <a:xfrm>
-            <a:off x="7781636" y="2262011"/>
-            <a:ext cx="2930585" cy="3570208"/>
-          </a:xfrm>
-          <a:prstGeom prst="rect">
-            <a:avLst/>
-          </a:prstGeom>
-          <a:noFill/>
-        </p:spPr>
-        <p:txBody>
-          <a:bodyPr wrap="square" rtlCol="0">
-            <a:spAutoFit/>
-          </a:bodyPr>
-          <a:lstStyle/>
-          <a:p>
-            <a:pPr marL="285750" indent="-285750">
-              <a:buFont typeface="Arial" panose="020B0604020202020204" pitchFamily="34" charset="0"/>
-              <a:buChar char="•"/>
-            </a:pPr>
-            <a:r>
-              <a:rPr lang="en-US" sz="1600" kern="100" dirty="0">
-                <a:effectLst/>
-                <a:latin typeface="Aptos" panose="020B0004020202020204" pitchFamily="34" charset="0"/>
-                <a:ea typeface="Aptos" panose="020B0004020202020204" pitchFamily="34" charset="0"/>
-                <a:cs typeface="Times New Roman" panose="02020603050405020304" pitchFamily="18" charset="0"/>
-              </a:rPr>
-              <a:t>Groups were compared using a t-test, with the ‘low group’ as reference</a:t>
-            </a:r>
-          </a:p>
-          <a:p>
-            <a:pPr marL="285750" indent="-285750">
-              <a:buFont typeface="Arial" panose="020B0604020202020204" pitchFamily="34" charset="0"/>
-              <a:buChar char="•"/>
-            </a:pPr>
-            <a:endParaRPr lang="en-US" sz="1600" kern="100" dirty="0">
-              <a:effectLst/>
-              <a:latin typeface="Aptos" panose="020B0004020202020204" pitchFamily="34" charset="0"/>
-              <a:ea typeface="Aptos" panose="020B0004020202020204" pitchFamily="34" charset="0"/>
-              <a:cs typeface="Times New Roman" panose="02020603050405020304" pitchFamily="18" charset="0"/>
-            </a:endParaRPr>
-          </a:p>
-          <a:p>
-            <a:pPr marL="285750" indent="-285750">
-              <a:buFont typeface="Arial" panose="020B0604020202020204" pitchFamily="34" charset="0"/>
-              <a:buChar char="•"/>
-            </a:pPr>
-            <a:r>
-              <a:rPr lang="en-US" sz="1600" kern="100" dirty="0">
-                <a:effectLst/>
-                <a:latin typeface="Aptos" panose="020B0004020202020204" pitchFamily="34" charset="0"/>
-                <a:ea typeface="Aptos" panose="020B0004020202020204" pitchFamily="34" charset="0"/>
-                <a:cs typeface="Times New Roman" panose="02020603050405020304" pitchFamily="18" charset="0"/>
-              </a:rPr>
-              <a:t>When comparing the High vs Low age categorical groups, a few proteins are found with a </a:t>
-            </a:r>
-            <a:r>
-              <a:rPr lang="en-US" sz="1600" kern="100" dirty="0" err="1">
-                <a:effectLst/>
-                <a:latin typeface="Aptos" panose="020B0004020202020204" pitchFamily="34" charset="0"/>
-                <a:ea typeface="Aptos" panose="020B0004020202020204" pitchFamily="34" charset="0"/>
-                <a:cs typeface="Times New Roman" panose="02020603050405020304" pitchFamily="18" charset="0"/>
-              </a:rPr>
-              <a:t>pvalue</a:t>
-            </a:r>
-            <a:r>
-              <a:rPr lang="en-US" sz="1600" kern="100" dirty="0">
-                <a:effectLst/>
-                <a:latin typeface="Aptos" panose="020B0004020202020204" pitchFamily="34" charset="0"/>
-                <a:ea typeface="Aptos" panose="020B0004020202020204" pitchFamily="34" charset="0"/>
-                <a:cs typeface="Times New Roman" panose="02020603050405020304" pitchFamily="18" charset="0"/>
-              </a:rPr>
-              <a:t> &lt; 0.05 . However, all of their log2Fc are very small. </a:t>
-            </a:r>
-            <a:r>
-              <a:rPr lang="en-US" sz="1600" kern="100" dirty="0">
-                <a:latin typeface="Aptos" panose="020B0004020202020204" pitchFamily="34" charset="0"/>
-                <a:ea typeface="Aptos" panose="020B0004020202020204" pitchFamily="34" charset="0"/>
-                <a:cs typeface="Times New Roman" panose="02020603050405020304" pitchFamily="18" charset="0"/>
-              </a:rPr>
-              <a:t>T</a:t>
-            </a:r>
-            <a:r>
-              <a:rPr lang="en-US" sz="1600" kern="100" dirty="0">
-                <a:effectLst/>
-                <a:latin typeface="Aptos" panose="020B0004020202020204" pitchFamily="34" charset="0"/>
-                <a:ea typeface="Aptos" panose="020B0004020202020204" pitchFamily="34" charset="0"/>
-                <a:cs typeface="Times New Roman" panose="02020603050405020304" pitchFamily="18" charset="0"/>
-              </a:rPr>
-              <a:t>hus indicating that the 'biology' of the cancer in between these two groups is similar</a:t>
-            </a:r>
-          </a:p>
-          <a:p>
-            <a:endParaRPr lang="en-US" sz="1600" dirty="0"/>
-          </a:p>
-        </p:txBody>
-      </p:sp>
     </p:spTree>
     <p:extLst>
       <p:ext uri="{BB962C8B-B14F-4D97-AF65-F5344CB8AC3E}">
@@ -4044,10 +4049,10 @@
       </p:sp>
       <p:pic>
         <p:nvPicPr>
-          <p:cNvPr id="5" name="Picture 4" descr="A graph of a volcano plot&#10;&#10;Description automatically generated">
-            <a:extLst>
-              <a:ext uri="{FF2B5EF4-FFF2-40B4-BE49-F238E27FC236}">
-                <a16:creationId xmlns:a16="http://schemas.microsoft.com/office/drawing/2014/main" id="{E223EE42-31F6-4AC6-0B18-62E3CE262E43}"/>
+          <p:cNvPr id="4" name="Picture 3" descr="A graph of a volcano plot&#10;&#10;Description automatically generated">
+            <a:extLst>
+              <a:ext uri="{FF2B5EF4-FFF2-40B4-BE49-F238E27FC236}">
+                <a16:creationId xmlns:a16="http://schemas.microsoft.com/office/drawing/2014/main" id="{ED05918E-3CED-74F9-D63F-F93E63EB33F2}"/>
               </a:ext>
             </a:extLst>
           </p:cNvPr>
@@ -4064,8 +4069,8 @@
         </p:blipFill>
         <p:spPr>
           <a:xfrm>
-            <a:off x="635000" y="1454508"/>
-            <a:ext cx="5997929" cy="4477327"/>
+            <a:off x="166255" y="1225689"/>
+            <a:ext cx="6791742" cy="5069892"/>
           </a:xfrm>
           <a:prstGeom prst="rect">
             <a:avLst/>
@@ -4732,7 +4737,7 @@
                 <a:ea typeface="Aptos" panose="020B0004020202020204" pitchFamily="34" charset="0"/>
                 <a:cs typeface="Times New Roman" panose="02020603050405020304" pitchFamily="18" charset="0"/>
               </a:rPr>
-              <a:t>7377 entries/rows in the </a:t>
+              <a:t>106 entries/rows in the </a:t>
             </a:r>
             <a:r>
               <a:rPr lang="en-US" sz="1800" kern="100" dirty="0" err="1">
@@ -4967,10 +4972,10 @@
       </p:sp>
       <p:pic>
         <p:nvPicPr>
-          <p:cNvPr id="8" name="Picture 7">
-            <a:extLst>
-              <a:ext uri="{FF2B5EF4-FFF2-40B4-BE49-F238E27FC236}">
-                <a16:creationId xmlns:a16="http://schemas.microsoft.com/office/drawing/2014/main" id="{9980D551-98BD-338E-A01E-90BEE0D69FD2}"/>
+          <p:cNvPr id="5" name="Picture 4" descr="A graph with blue and green lines&#10;&#10;Description automatically generated">
+            <a:extLst>
+              <a:ext uri="{FF2B5EF4-FFF2-40B4-BE49-F238E27FC236}">
+                <a16:creationId xmlns:a16="http://schemas.microsoft.com/office/drawing/2014/main" id="{5BF6D6DE-8B3E-5685-9A09-01BF45229A46}"/>
               </a:ext>
             </a:extLst>
           </p:cNvPr>
@@ -4987,8 +4992,8 @@
         </p:blipFill>
         <p:spPr>
           <a:xfrm>
-            <a:off x="252179" y="1690688"/>
-            <a:ext cx="11687642" cy="1871250"/>
+            <a:off x="115947" y="1405784"/>
+            <a:ext cx="11960104" cy="1946993"/>
           </a:xfrm>
           <a:prstGeom prst="rect">
             <a:avLst/>
@@ -4997,10 +5002,10 @@
       </p:pic>
       <p:pic>
         <p:nvPicPr>
-          <p:cNvPr id="9" name="Picture 8">
-            <a:extLst>
-              <a:ext uri="{FF2B5EF4-FFF2-40B4-BE49-F238E27FC236}">
-                <a16:creationId xmlns:a16="http://schemas.microsoft.com/office/drawing/2014/main" id="{BA9CF8F4-D845-7464-FC6D-2171F1606A0F}"/>
+          <p:cNvPr id="7" name="Picture 6">
+            <a:extLst>
+              <a:ext uri="{FF2B5EF4-FFF2-40B4-BE49-F238E27FC236}">
+                <a16:creationId xmlns:a16="http://schemas.microsoft.com/office/drawing/2014/main" id="{D7361312-F38A-0E1E-7A0F-9E2C988F7F93}"/>
               </a:ext>
             </a:extLst>
           </p:cNvPr>
@@ -5017,8 +5022,8 @@
         </p:blipFill>
         <p:spPr>
           <a:xfrm>
-            <a:off x="1022726" y="3761519"/>
-            <a:ext cx="10146547" cy="2811586"/>
+            <a:off x="766782" y="3505224"/>
+            <a:ext cx="10658433" cy="2961292"/>
           </a:xfrm>
           <a:prstGeom prst="rect">
             <a:avLst/>
